--- a/Teleconference/20190904/Timeout/interview.pptx
+++ b/Teleconference/20190904/Timeout/interview.pptx
@@ -8161,7 +8161,13 @@
       </p:sp>
       <p:pic>
         <p:nvPicPr>
-          <p:cNvPr id="68" name="図 67"/>
+          <p:cNvPr id="3" name="図 2">
+            <a:extLst>
+              <a:ext uri="{FF2B5EF4-FFF2-40B4-BE49-F238E27FC236}">
+                <a16:creationId xmlns:a16="http://schemas.microsoft.com/office/drawing/2014/main" id="{FFC98ECB-4328-431B-9C9E-4BA36D60CF11}"/>
+              </a:ext>
+            </a:extLst>
+          </p:cNvPr>
           <p:cNvPicPr>
             <a:picLocks noChangeAspect="1"/>
           </p:cNvPicPr>
@@ -8175,8 +8181,8 @@
         </p:blipFill>
         <p:spPr>
           <a:xfrm>
-            <a:off x="340339" y="3600255"/>
-            <a:ext cx="4705350" cy="790575"/>
+            <a:off x="406687" y="3537257"/>
+            <a:ext cx="4676775" cy="838200"/>
           </a:xfrm>
           <a:prstGeom prst="rect">
             <a:avLst/>
@@ -8197,7 +8203,7 @@
         </p:nvSpPr>
         <p:spPr bwMode="auto">
           <a:xfrm>
-            <a:off x="1004215" y="4111781"/>
+            <a:off x="1241844" y="4075691"/>
             <a:ext cx="1446092" cy="279049"/>
           </a:xfrm>
           <a:prstGeom prst="wedgeRoundRectCallout">
@@ -8328,7 +8334,7 @@
         <p:spPr>
           <a:xfrm>
             <a:off x="213204" y="772053"/>
-            <a:ext cx="8723627" cy="3416320"/>
+            <a:ext cx="8723627" cy="3859518"/>
           </a:xfrm>
           <a:prstGeom prst="rect">
             <a:avLst/>
@@ -8472,7 +8478,7 @@
                 <a:ea typeface="メイリオ" panose="020B0604030504040204" pitchFamily="50" charset="-128"/>
                 <a:cs typeface="Arial" panose="020B0604020202020204" pitchFamily="34" charset="0"/>
               </a:rPr>
-              <a:t>Or providing a new node which has the same </a:t>
+              <a:t>A ‘switch’ node might be suitable for the option. Or creating a new node which has the same </a:t>
             </a:r>
             <a:r>
               <a:rPr lang="en-US" altLang="ja-JP" sz="1600" dirty="0" err="1">
@@ -8494,7 +8500,7 @@
                 <a:ea typeface="メイリオ" panose="020B0604030504040204" pitchFamily="50" charset="-128"/>
                 <a:cs typeface="Arial" panose="020B0604020202020204" pitchFamily="34" charset="0"/>
               </a:rPr>
-              <a:t>.</a:t>
+              <a:t> from scratch.</a:t>
             </a:r>
             <a:endParaRPr lang="en-US" altLang="ja-JP" sz="1600" dirty="0">
               <a:solidFill>
@@ -8558,7 +8564,7 @@
                 <a:ea typeface="メイリオ" panose="020B0604030504040204" pitchFamily="50" charset="-128"/>
                 <a:cs typeface="Arial" panose="020B0604020202020204" pitchFamily="34" charset="0"/>
               </a:rPr>
-              <a:t>A ‘delay’ node with the option sends a message to the first wired node at the very beginning. When a timer expires, a ‘delay’ node with the option passes the message to the other connected nodes, not the first one.</a:t>
+              <a:t>A ‘delay’ node with the option sends a message to the first wired node at the very beginning. When a timer expires, a ‘delay’ node with the option passes the message to the other connected nodes, not the first one. This enhancement is optional because Node-RED will cope with a message between nodes asynchronously.</a:t>
             </a:r>
           </a:p>
         </p:txBody>
